--- a/Cvicenie11/Cvicenie11 - HeapSort.pptx
+++ b/Cvicenie11/Cvicenie11 - HeapSort.pptx
@@ -4534,8 +4534,8 @@
           </a:p>
         </p:txBody>
       </p:sp>
-      <mc:AlternateContent xmlns:mc="http://schemas.openxmlformats.org/markup-compatibility/2006">
-        <mc:Choice xmlns:a14="http://schemas.microsoft.com/office/drawing/2010/main" Requires="a14">
+      <mc:AlternateContent xmlns:mc="http://schemas.openxmlformats.org/markup-compatibility/2006" xmlns:a14="http://schemas.microsoft.com/office/drawing/2010/main">
+        <mc:Choice Requires="a14">
           <p:sp>
             <p:nvSpPr>
               <p:cNvPr id="3" name="Zástupný objekt pre obsah 2">
@@ -4664,7 +4664,7 @@
             </p:txBody>
           </p:sp>
         </mc:Choice>
-        <mc:Fallback>
+        <mc:Fallback xmlns="">
           <p:sp>
             <p:nvSpPr>
               <p:cNvPr id="3" name="Zástupný objekt pre obsah 2">
@@ -4798,8 +4798,8 @@
           </a:p>
         </p:txBody>
       </p:sp>
-      <mc:AlternateContent xmlns:mc="http://schemas.openxmlformats.org/markup-compatibility/2006">
-        <mc:Choice xmlns:a14="http://schemas.microsoft.com/office/drawing/2010/main" Requires="a14">
+      <mc:AlternateContent xmlns:mc="http://schemas.openxmlformats.org/markup-compatibility/2006" xmlns:a14="http://schemas.microsoft.com/office/drawing/2010/main">
+        <mc:Choice Requires="a14">
           <p:sp>
             <p:nvSpPr>
               <p:cNvPr id="3" name="Zástupný objekt pre obsah 2">
@@ -4919,7 +4919,7 @@
             </p:txBody>
           </p:sp>
         </mc:Choice>
-        <mc:Fallback>
+        <mc:Fallback xmlns="">
           <p:sp>
             <p:nvSpPr>
               <p:cNvPr id="3" name="Zástupný objekt pre obsah 2">
@@ -4999,8 +4999,8 @@
           <a:chExt cx="0" cy="0"/>
         </a:xfrm>
       </p:grpSpPr>
-      <mc:AlternateContent xmlns:mc="http://schemas.openxmlformats.org/markup-compatibility/2006">
-        <mc:Choice xmlns:a14="http://schemas.microsoft.com/office/drawing/2010/main" Requires="a14">
+      <mc:AlternateContent xmlns:mc="http://schemas.openxmlformats.org/markup-compatibility/2006" xmlns:a14="http://schemas.microsoft.com/office/drawing/2010/main">
+        <mc:Choice Requires="a14">
           <p:sp>
             <p:nvSpPr>
               <p:cNvPr id="3" name="Zástupný objekt pre obsah 2">
@@ -5120,7 +5120,7 @@
             </p:txBody>
           </p:sp>
         </mc:Choice>
-        <mc:Fallback>
+        <mc:Fallback xmlns="">
           <p:sp>
             <p:nvSpPr>
               <p:cNvPr id="3" name="Zástupný objekt pre obsah 2">
@@ -6563,8 +6563,8 @@
           </a:p>
         </p:txBody>
       </p:sp>
-      <mc:AlternateContent xmlns:mc="http://schemas.openxmlformats.org/markup-compatibility/2006">
-        <mc:Choice xmlns:a14="http://schemas.microsoft.com/office/drawing/2010/main" Requires="a14">
+      <mc:AlternateContent xmlns:mc="http://schemas.openxmlformats.org/markup-compatibility/2006" xmlns:a14="http://schemas.microsoft.com/office/drawing/2010/main">
+        <mc:Choice Requires="a14">
           <p:sp>
             <p:nvSpPr>
               <p:cNvPr id="26" name="BlokTextu 25">
@@ -6616,7 +6616,7 @@
             </p:txBody>
           </p:sp>
         </mc:Choice>
-        <mc:Fallback>
+        <mc:Fallback xmlns="">
           <p:sp>
             <p:nvSpPr>
               <p:cNvPr id="26" name="BlokTextu 25">
@@ -6697,8 +6697,8 @@
           <a:chExt cx="0" cy="0"/>
         </a:xfrm>
       </p:grpSpPr>
-      <mc:AlternateContent xmlns:mc="http://schemas.openxmlformats.org/markup-compatibility/2006">
-        <mc:Choice xmlns:a14="http://schemas.microsoft.com/office/drawing/2010/main" Requires="a14">
+      <mc:AlternateContent xmlns:mc="http://schemas.openxmlformats.org/markup-compatibility/2006" xmlns:a14="http://schemas.microsoft.com/office/drawing/2010/main">
+        <mc:Choice Requires="a14">
           <p:sp>
             <p:nvSpPr>
               <p:cNvPr id="14" name="Zástupný objekt pre obsah 2">
@@ -7298,7 +7298,7 @@
             </p:txBody>
           </p:sp>
         </mc:Choice>
-        <mc:Fallback>
+        <mc:Fallback xmlns="">
           <p:sp>
             <p:nvSpPr>
               <p:cNvPr id="14" name="Zástupný objekt pre obsah 2">
@@ -7459,8 +7459,8 @@
           </a:p>
         </p:txBody>
       </p:sp>
-      <mc:AlternateContent xmlns:mc="http://schemas.openxmlformats.org/markup-compatibility/2006">
-        <mc:Choice xmlns:a14="http://schemas.microsoft.com/office/drawing/2010/main" Requires="a14">
+      <mc:AlternateContent xmlns:mc="http://schemas.openxmlformats.org/markup-compatibility/2006" xmlns:a14="http://schemas.microsoft.com/office/drawing/2010/main">
+        <mc:Choice Requires="a14">
           <p:sp>
             <p:nvSpPr>
               <p:cNvPr id="25" name="BlokTextu 24">
@@ -7546,7 +7546,7 @@
             </p:txBody>
           </p:sp>
         </mc:Choice>
-        <mc:Fallback>
+        <mc:Fallback xmlns="">
           <p:sp>
             <p:nvSpPr>
               <p:cNvPr id="25" name="BlokTextu 24">
@@ -7606,7 +7606,7 @@
         <p:spPr>
           <a:xfrm>
             <a:off x="7087581" y="2960118"/>
-            <a:ext cx="4576982" cy="2523768"/>
+            <a:ext cx="4576982" cy="2769989"/>
           </a:xfrm>
           <a:prstGeom prst="rect">
             <a:avLst/>
@@ -7638,8 +7638,13 @@
             </a:r>
             <a:r>
               <a:rPr lang="sk-SK" sz="1600" dirty="0"/>
-              <a:t>(A) slúži iba pre kontrolu aby sme neuvažovali za potomkov už zoradené prvky)</a:t>
-            </a:r>
+              <a:t>(A) slúži iba pre kontrolu aby sme neuvažovali za potomkov už zoradené prvky, alebo </a:t>
+            </a:r>
+            <a:r>
+              <a:rPr lang="sk-SK" sz="1600"/>
+              <a:t>neexistujúce prvky)</a:t>
+            </a:r>
+            <a:endParaRPr lang="sk-SK" sz="1600" dirty="0"/>
           </a:p>
           <a:p>
             <a:endParaRPr lang="sk-SK" dirty="0"/>
@@ -7881,8 +7886,8 @@
           </a:p>
         </p:txBody>
       </p:sp>
-      <mc:AlternateContent xmlns:mc="http://schemas.openxmlformats.org/markup-compatibility/2006">
-        <mc:Choice xmlns:a14="http://schemas.microsoft.com/office/drawing/2010/main" Requires="a14">
+      <mc:AlternateContent xmlns:mc="http://schemas.openxmlformats.org/markup-compatibility/2006" xmlns:a14="http://schemas.microsoft.com/office/drawing/2010/main">
+        <mc:Choice Requires="a14">
           <p:sp>
             <p:nvSpPr>
               <p:cNvPr id="3" name="Zástupný objekt pre obsah 2">
@@ -8310,7 +8315,7 @@
             </p:txBody>
           </p:sp>
         </mc:Choice>
-        <mc:Fallback>
+        <mc:Fallback xmlns="">
           <p:sp>
             <p:nvSpPr>
               <p:cNvPr id="3" name="Zástupný objekt pre obsah 2">
